--- a/docs/Database/tables.pptx
+++ b/docs/Database/tables.pptx
@@ -4753,7 +4753,7 @@
           <a:p>
             <a:r>
               <a:rPr lang="en-US" dirty="0"/>
-              <a:t>Database contains the minimum number of tables to offer the features we have implemented in our day 1 launch version of the product</a:t>
+              <a:t>Database contains the minimum number of tables to offer the features we have implemented in our launch version of the product</a:t>
             </a:r>
           </a:p>
         </p:txBody>
